--- a/acp_2017/data_presentation.pptx
+++ b/acp_2017/data_presentation.pptx
@@ -3175,12 +3175,8 @@
           </a:p>
           <a:p>
             <a:r>
-              <a:rPr lang="en-US" dirty="0" smtClean="0"/>
-              <a:t>http</a:t>
-            </a:r>
-            <a:r>
               <a:rPr lang="en-US" dirty="0"/>
-              <a:t>://</a:t>
+              <a:t>http://</a:t>
             </a:r>
             <a:r>
               <a:rPr lang="en-US" dirty="0" err="1"/>
@@ -3188,8 +3184,9 @@
             </a:r>
             <a:r>
               <a:rPr lang="en-US" dirty="0"/>
-              <a:t>/2jTUFNK</a:t>
-            </a:r>
+              <a:t>/2ltAEwX</a:t>
+            </a:r>
+            <a:endParaRPr lang="en-US" dirty="0"/>
           </a:p>
         </p:txBody>
       </p:sp>
@@ -3233,6 +3230,13 @@
   <p:clrMapOvr>
     <a:masterClrMapping/>
   </p:clrMapOvr>
+  <p:timing>
+    <p:tnLst>
+      <p:par>
+        <p:cTn xmlns:p14="http://schemas.microsoft.com/office/powerpoint/2010/main" id="1" dur="indefinite" restart="never" nodeType="tmRoot"/>
+      </p:par>
+    </p:tnLst>
+  </p:timing>
 </p:sld>
 </file>
 
@@ -3458,6 +3462,13 @@
   <p:clrMapOvr>
     <a:masterClrMapping/>
   </p:clrMapOvr>
+  <p:timing>
+    <p:tnLst>
+      <p:par>
+        <p:cTn xmlns:p14="http://schemas.microsoft.com/office/powerpoint/2010/main" id="1" dur="indefinite" restart="never" nodeType="tmRoot"/>
+      </p:par>
+    </p:tnLst>
+  </p:timing>
 </p:sld>
 </file>
 
@@ -3623,6 +3634,13 @@
   <p:clrMapOvr>
     <a:masterClrMapping/>
   </p:clrMapOvr>
+  <p:timing>
+    <p:tnLst>
+      <p:par>
+        <p:cTn xmlns:p14="http://schemas.microsoft.com/office/powerpoint/2010/main" id="1" dur="indefinite" restart="never" nodeType="tmRoot"/>
+      </p:par>
+    </p:tnLst>
+  </p:timing>
 </p:sld>
 </file>
 
@@ -3874,6 +3892,13 @@
   <p:clrMapOvr>
     <a:masterClrMapping/>
   </p:clrMapOvr>
+  <p:timing>
+    <p:tnLst>
+      <p:par>
+        <p:cTn xmlns:p14="http://schemas.microsoft.com/office/powerpoint/2010/main" id="1" dur="indefinite" restart="never" nodeType="tmRoot"/>
+      </p:par>
+    </p:tnLst>
+  </p:timing>
 </p:sld>
 </file>
 
@@ -3990,6 +4015,13 @@
   <p:clrMapOvr>
     <a:masterClrMapping/>
   </p:clrMapOvr>
+  <p:timing>
+    <p:tnLst>
+      <p:par>
+        <p:cTn xmlns:p14="http://schemas.microsoft.com/office/powerpoint/2010/main" id="1" dur="indefinite" restart="never" nodeType="tmRoot"/>
+      </p:par>
+    </p:tnLst>
+  </p:timing>
 </p:sld>
 </file>
 
@@ -4095,6 +4127,13 @@
   <p:clrMapOvr>
     <a:masterClrMapping/>
   </p:clrMapOvr>
+  <p:timing>
+    <p:tnLst>
+      <p:par>
+        <p:cTn xmlns:p14="http://schemas.microsoft.com/office/powerpoint/2010/main" id="1" dur="indefinite" restart="never" nodeType="tmRoot"/>
+      </p:par>
+    </p:tnLst>
+  </p:timing>
 </p:sld>
 </file>
 
@@ -4183,6 +4222,13 @@
   <p:clrMapOvr>
     <a:masterClrMapping/>
   </p:clrMapOvr>
+  <p:timing>
+    <p:tnLst>
+      <p:par>
+        <p:cTn xmlns:p14="http://schemas.microsoft.com/office/powerpoint/2010/main" id="1" dur="indefinite" restart="never" nodeType="tmRoot"/>
+      </p:par>
+    </p:tnLst>
+  </p:timing>
 </p:sld>
 </file>
 
@@ -4221,7 +4267,7 @@
         </p:spPr>
         <p:txBody>
           <a:bodyPr>
-            <a:normAutofit/>
+            <a:normAutofit fontScale="90000"/>
           </a:bodyPr>
           <a:lstStyle/>
           <a:p>
@@ -4255,16 +4301,43 @@
               <a:rPr lang="en-US" dirty="0" smtClean="0"/>
             </a:br>
             <a:r>
-              <a:rPr lang="en-US" dirty="0" err="1" smtClean="0"/>
-              <a:t>freyhargarten.com</a:t>
-            </a:r>
-            <a:r>
-              <a:rPr lang="en-US" dirty="0" smtClean="0"/>
+              <a:rPr lang="en-US" dirty="0"/>
               <a:t/>
             </a:r>
             <a:br>
-              <a:rPr lang="en-US" dirty="0" smtClean="0"/>
+              <a:rPr lang="en-US" dirty="0"/>
             </a:br>
+            <a:r>
+              <a:rPr lang="en-US" dirty="0"/>
+              <a:t>download this </a:t>
+            </a:r>
+            <a:r>
+              <a:rPr lang="en-US" dirty="0" smtClean="0"/>
+              <a:t>presentation:</a:t>
+            </a:r>
+            <a:br>
+              <a:rPr lang="en-US" dirty="0" smtClean="0"/>
+            </a:br>
+            <a:r>
+              <a:rPr lang="en-US" dirty="0" smtClean="0"/>
+              <a:t>http</a:t>
+            </a:r>
+            <a:r>
+              <a:rPr lang="en-US" dirty="0"/>
+              <a:t>://</a:t>
+            </a:r>
+            <a:r>
+              <a:rPr lang="en-US" dirty="0" err="1"/>
+              <a:t>bit.ly</a:t>
+            </a:r>
+            <a:r>
+              <a:rPr lang="en-US" dirty="0"/>
+              <a:t>/</a:t>
+            </a:r>
+            <a:r>
+              <a:rPr lang="en-US" dirty="0" smtClean="0"/>
+              <a:t>2ltAEwX</a:t>
+            </a:r>
             <a:r>
               <a:rPr lang="en-US" dirty="0"/>
               <a:t/>
@@ -4286,6 +4359,13 @@
   <p:clrMapOvr>
     <a:masterClrMapping/>
   </p:clrMapOvr>
+  <p:timing>
+    <p:tnLst>
+      <p:par>
+        <p:cTn xmlns:p14="http://schemas.microsoft.com/office/powerpoint/2010/main" id="1" dur="indefinite" restart="never" nodeType="tmRoot"/>
+      </p:par>
+    </p:tnLst>
+  </p:timing>
 </p:sld>
 </file>
 
@@ -4352,11 +4432,7 @@
           <a:p>
             <a:r>
               <a:rPr lang="en-US" dirty="0" smtClean="0"/>
-              <a:t>Some </a:t>
-            </a:r>
-            <a:r>
-              <a:rPr lang="en-US" dirty="0" smtClean="0"/>
-              <a:t>background on data journalism</a:t>
+              <a:t>Some background on data journalism</a:t>
             </a:r>
           </a:p>
           <a:p>
@@ -4396,6 +4472,13 @@
   <p:clrMapOvr>
     <a:masterClrMapping/>
   </p:clrMapOvr>
+  <p:timing>
+    <p:tnLst>
+      <p:par>
+        <p:cTn xmlns:p14="http://schemas.microsoft.com/office/powerpoint/2010/main" id="1" dur="indefinite" restart="never" nodeType="tmRoot"/>
+      </p:par>
+    </p:tnLst>
+  </p:timing>
 </p:sld>
 </file>
 
@@ -4516,11 +4599,7 @@
           <a:p>
             <a:r>
               <a:rPr lang="en-US" dirty="0" smtClean="0"/>
-              <a:t>It’s not a fad, it’s not a phase and it’s not going </a:t>
-            </a:r>
-            <a:r>
-              <a:rPr lang="en-US" dirty="0" smtClean="0"/>
-              <a:t>away</a:t>
+              <a:t>It’s not a fad, it’s not a phase and it’s not going away</a:t>
             </a:r>
           </a:p>
           <a:p>
@@ -4545,6 +4624,13 @@
   <p:clrMapOvr>
     <a:masterClrMapping/>
   </p:clrMapOvr>
+  <p:timing>
+    <p:tnLst>
+      <p:par>
+        <p:cTn xmlns:p14="http://schemas.microsoft.com/office/powerpoint/2010/main" id="1" dur="indefinite" restart="never" nodeType="tmRoot"/>
+      </p:par>
+    </p:tnLst>
+  </p:timing>
 </p:sld>
 </file>
 
@@ -4663,6 +4749,13 @@
   <p:clrMapOvr>
     <a:masterClrMapping/>
   </p:clrMapOvr>
+  <p:timing>
+    <p:tnLst>
+      <p:par>
+        <p:cTn xmlns:p14="http://schemas.microsoft.com/office/powerpoint/2010/main" id="1" dur="indefinite" restart="never" nodeType="tmRoot"/>
+      </p:par>
+    </p:tnLst>
+  </p:timing>
 </p:sld>
 </file>
 
@@ -4786,6 +4879,13 @@
   <p:clrMapOvr>
     <a:masterClrMapping/>
   </p:clrMapOvr>
+  <p:timing>
+    <p:tnLst>
+      <p:par>
+        <p:cTn xmlns:p14="http://schemas.microsoft.com/office/powerpoint/2010/main" id="1" dur="indefinite" restart="never" nodeType="tmRoot"/>
+      </p:par>
+    </p:tnLst>
+  </p:timing>
 </p:sld>
 </file>
 
@@ -5550,6 +5650,13 @@
   <p:clrMapOvr>
     <a:masterClrMapping/>
   </p:clrMapOvr>
+  <p:timing>
+    <p:tnLst>
+      <p:par>
+        <p:cTn xmlns:p14="http://schemas.microsoft.com/office/powerpoint/2010/main" id="1" dur="indefinite" restart="never" nodeType="tmRoot"/>
+      </p:par>
+    </p:tnLst>
+  </p:timing>
 </p:sld>
 </file>
 
